--- a/Visualization Notes/2 - Introduction to Tableau.pptx
+++ b/Visualization Notes/2 - Introduction to Tableau.pptx
@@ -255,7 +255,7 @@
           <a:p>
             <a:fld id="{8D34DEB6-C9B4-42B2-9A1A-80032F663745}" type="datetimeFigureOut">
               <a:rPr lang="en-US" smtClean="0"/>
-              <a:t>5/12/2017</a:t>
+              <a:t>5/16/2017</a:t>
             </a:fld>
             <a:endParaRPr lang="en-US" dirty="0"/>
           </a:p>
@@ -425,7 +425,7 @@
           <a:p>
             <a:fld id="{8D34DEB6-C9B4-42B2-9A1A-80032F663745}" type="datetimeFigureOut">
               <a:rPr lang="en-US" smtClean="0"/>
-              <a:t>5/12/2017</a:t>
+              <a:t>5/16/2017</a:t>
             </a:fld>
             <a:endParaRPr lang="en-US" dirty="0"/>
           </a:p>
@@ -605,7 +605,7 @@
           <a:p>
             <a:fld id="{8D34DEB6-C9B4-42B2-9A1A-80032F663745}" type="datetimeFigureOut">
               <a:rPr lang="en-US" smtClean="0"/>
-              <a:t>5/12/2017</a:t>
+              <a:t>5/16/2017</a:t>
             </a:fld>
             <a:endParaRPr lang="en-US" dirty="0"/>
           </a:p>
@@ -775,7 +775,7 @@
           <a:p>
             <a:fld id="{8D34DEB6-C9B4-42B2-9A1A-80032F663745}" type="datetimeFigureOut">
               <a:rPr lang="en-US" smtClean="0"/>
-              <a:t>5/12/2017</a:t>
+              <a:t>5/16/2017</a:t>
             </a:fld>
             <a:endParaRPr lang="en-US" dirty="0"/>
           </a:p>
@@ -1021,7 +1021,7 @@
           <a:p>
             <a:fld id="{8D34DEB6-C9B4-42B2-9A1A-80032F663745}" type="datetimeFigureOut">
               <a:rPr lang="en-US" smtClean="0"/>
-              <a:t>5/12/2017</a:t>
+              <a:t>5/16/2017</a:t>
             </a:fld>
             <a:endParaRPr lang="en-US" dirty="0"/>
           </a:p>
@@ -1253,7 +1253,7 @@
           <a:p>
             <a:fld id="{8D34DEB6-C9B4-42B2-9A1A-80032F663745}" type="datetimeFigureOut">
               <a:rPr lang="en-US" smtClean="0"/>
-              <a:t>5/12/2017</a:t>
+              <a:t>5/16/2017</a:t>
             </a:fld>
             <a:endParaRPr lang="en-US" dirty="0"/>
           </a:p>
@@ -1620,7 +1620,7 @@
           <a:p>
             <a:fld id="{8D34DEB6-C9B4-42B2-9A1A-80032F663745}" type="datetimeFigureOut">
               <a:rPr lang="en-US" smtClean="0"/>
-              <a:t>5/12/2017</a:t>
+              <a:t>5/16/2017</a:t>
             </a:fld>
             <a:endParaRPr lang="en-US" dirty="0"/>
           </a:p>
@@ -1738,7 +1738,7 @@
           <a:p>
             <a:fld id="{8D34DEB6-C9B4-42B2-9A1A-80032F663745}" type="datetimeFigureOut">
               <a:rPr lang="en-US" smtClean="0"/>
-              <a:t>5/12/2017</a:t>
+              <a:t>5/16/2017</a:t>
             </a:fld>
             <a:endParaRPr lang="en-US" dirty="0"/>
           </a:p>
@@ -1833,7 +1833,7 @@
           <a:p>
             <a:fld id="{8D34DEB6-C9B4-42B2-9A1A-80032F663745}" type="datetimeFigureOut">
               <a:rPr lang="en-US" smtClean="0"/>
-              <a:t>5/12/2017</a:t>
+              <a:t>5/16/2017</a:t>
             </a:fld>
             <a:endParaRPr lang="en-US" dirty="0"/>
           </a:p>
@@ -2110,7 +2110,7 @@
           <a:p>
             <a:fld id="{8D34DEB6-C9B4-42B2-9A1A-80032F663745}" type="datetimeFigureOut">
               <a:rPr lang="en-US" smtClean="0"/>
-              <a:t>5/12/2017</a:t>
+              <a:t>5/16/2017</a:t>
             </a:fld>
             <a:endParaRPr lang="en-US" dirty="0"/>
           </a:p>
@@ -2363,7 +2363,7 @@
           <a:p>
             <a:fld id="{8D34DEB6-C9B4-42B2-9A1A-80032F663745}" type="datetimeFigureOut">
               <a:rPr lang="en-US" smtClean="0"/>
-              <a:t>5/12/2017</a:t>
+              <a:t>5/16/2017</a:t>
             </a:fld>
             <a:endParaRPr lang="en-US" dirty="0"/>
           </a:p>
@@ -2576,7 +2576,7 @@
           <a:p>
             <a:fld id="{8D34DEB6-C9B4-42B2-9A1A-80032F663745}" type="datetimeFigureOut">
               <a:rPr lang="en-US" smtClean="0"/>
-              <a:t>5/12/2017</a:t>
+              <a:t>5/16/2017</a:t>
             </a:fld>
             <a:endParaRPr lang="en-US" dirty="0"/>
           </a:p>
@@ -2997,49 +2997,13 @@
           <a:lstStyle/>
           <a:p>
             <a:r>
-              <a:rPr lang="en-US" b="1" dirty="0"/>
+              <a:rPr lang="en-US" dirty="0"/>
               <a:t>Introduction to Tableau</a:t>
-            </a:r>
-            <a:r>
-              <a:rPr lang="en-US" dirty="0"/>
-              <a:t/>
             </a:r>
             <a:br>
               <a:rPr lang="en-US" dirty="0"/>
             </a:br>
             <a:endParaRPr lang="en-US" dirty="0"/>
-          </a:p>
-        </p:txBody>
-      </p:sp>
-      <p:sp>
-        <p:nvSpPr>
-          <p:cNvPr id="3" name="Subtitle 2"/>
-          <p:cNvSpPr>
-            <a:spLocks noGrp="1"/>
-          </p:cNvSpPr>
-          <p:nvPr>
-            <p:ph type="subTitle" idx="1"/>
-          </p:nvPr>
-        </p:nvSpPr>
-        <p:spPr>
-          <a:xfrm>
-            <a:off x="786384" y="3602038"/>
-            <a:ext cx="10488168" cy="1655762"/>
-          </a:xfrm>
-        </p:spPr>
-        <p:txBody>
-          <a:bodyPr/>
-          <a:lstStyle/>
-          <a:p>
-            <a:r>
-              <a:rPr lang="en-US" sz="2000" b="1" dirty="0" smtClean="0"/>
-              <a:t>USCOTS 2017 workshop: </a:t>
-            </a:r>
-            <a:r>
-              <a:rPr lang="en-US" sz="2000" b="1" dirty="0"/>
-              <a:t>web scraping and data visualization with Python and Tableau </a:t>
-            </a:r>
-            <a:endParaRPr lang="en-US" sz="2000" dirty="0"/>
           </a:p>
         </p:txBody>
       </p:sp>
@@ -3769,11 +3733,7 @@
           <a:p>
             <a:r>
               <a:rPr lang="en-US" dirty="0" smtClean="0"/>
-              <a:t>Fields as continuous </a:t>
-            </a:r>
-            <a:r>
-              <a:rPr lang="en-US" dirty="0" smtClean="0"/>
-              <a:t>decimals</a:t>
+              <a:t>Fields as continuous decimals</a:t>
             </a:r>
           </a:p>
           <a:p>
@@ -4202,8 +4162,8 @@
         </p:nvSpPr>
         <p:spPr>
           <a:xfrm>
-            <a:off x="838200" y="1078992"/>
-            <a:ext cx="10515600" cy="5097971"/>
+            <a:off x="838200" y="1756064"/>
+            <a:ext cx="10515600" cy="4420899"/>
           </a:xfrm>
         </p:spPr>
         <p:txBody>
@@ -4371,8 +4331,8 @@
         </p:nvSpPr>
         <p:spPr>
           <a:xfrm>
-            <a:off x="838200" y="1078992"/>
-            <a:ext cx="10515600" cy="5097971"/>
+            <a:off x="838200" y="1756064"/>
+            <a:ext cx="10515600" cy="4420899"/>
           </a:xfrm>
         </p:spPr>
         <p:txBody>
@@ -5231,7 +5191,6 @@
               <a:rPr lang="en-US" dirty="0" smtClean="0"/>
               <a:t>averaged, etc.)</a:t>
             </a:r>
-            <a:endParaRPr lang="en-US" dirty="0" smtClean="0"/>
           </a:p>
           <a:p>
             <a:pPr lvl="1"/>
